--- a/Мат. методы/Концептуальная модель/Концептуальная модель.pptx
+++ b/Мат. методы/Концептуальная модель/Концептуальная модель.pptx
@@ -6,6 +6,7 @@
   </p:sldMasterIdLst>
   <p:sldIdLst>
     <p:sldId id="256" r:id="rId2"/>
+    <p:sldId id="257" r:id="rId3"/>
   </p:sldIdLst>
   <p:sldSz cx="12192000" cy="6858000"/>
   <p:notesSz cx="6858000" cy="9144000"/>
@@ -243,7 +244,7 @@
           <a:p>
             <a:fld id="{7C751477-A9B5-4421-8294-37C3F78A4AFA}" type="datetimeFigureOut">
               <a:rPr lang="ru-RU" smtClean="0"/>
-              <a:t>09.11.2020</a:t>
+              <a:t>12.11.2020</a:t>
             </a:fld>
             <a:endParaRPr lang="ru-RU"/>
           </a:p>
@@ -413,7 +414,7 @@
           <a:p>
             <a:fld id="{7C751477-A9B5-4421-8294-37C3F78A4AFA}" type="datetimeFigureOut">
               <a:rPr lang="ru-RU" smtClean="0"/>
-              <a:t>09.11.2020</a:t>
+              <a:t>12.11.2020</a:t>
             </a:fld>
             <a:endParaRPr lang="ru-RU"/>
           </a:p>
@@ -593,7 +594,7 @@
           <a:p>
             <a:fld id="{7C751477-A9B5-4421-8294-37C3F78A4AFA}" type="datetimeFigureOut">
               <a:rPr lang="ru-RU" smtClean="0"/>
-              <a:t>09.11.2020</a:t>
+              <a:t>12.11.2020</a:t>
             </a:fld>
             <a:endParaRPr lang="ru-RU"/>
           </a:p>
@@ -763,7 +764,7 @@
           <a:p>
             <a:fld id="{7C751477-A9B5-4421-8294-37C3F78A4AFA}" type="datetimeFigureOut">
               <a:rPr lang="ru-RU" smtClean="0"/>
-              <a:t>09.11.2020</a:t>
+              <a:t>12.11.2020</a:t>
             </a:fld>
             <a:endParaRPr lang="ru-RU"/>
           </a:p>
@@ -1009,7 +1010,7 @@
           <a:p>
             <a:fld id="{7C751477-A9B5-4421-8294-37C3F78A4AFA}" type="datetimeFigureOut">
               <a:rPr lang="ru-RU" smtClean="0"/>
-              <a:t>09.11.2020</a:t>
+              <a:t>12.11.2020</a:t>
             </a:fld>
             <a:endParaRPr lang="ru-RU"/>
           </a:p>
@@ -1241,7 +1242,7 @@
           <a:p>
             <a:fld id="{7C751477-A9B5-4421-8294-37C3F78A4AFA}" type="datetimeFigureOut">
               <a:rPr lang="ru-RU" smtClean="0"/>
-              <a:t>09.11.2020</a:t>
+              <a:t>12.11.2020</a:t>
             </a:fld>
             <a:endParaRPr lang="ru-RU"/>
           </a:p>
@@ -1608,7 +1609,7 @@
           <a:p>
             <a:fld id="{7C751477-A9B5-4421-8294-37C3F78A4AFA}" type="datetimeFigureOut">
               <a:rPr lang="ru-RU" smtClean="0"/>
-              <a:t>09.11.2020</a:t>
+              <a:t>12.11.2020</a:t>
             </a:fld>
             <a:endParaRPr lang="ru-RU"/>
           </a:p>
@@ -1726,7 +1727,7 @@
           <a:p>
             <a:fld id="{7C751477-A9B5-4421-8294-37C3F78A4AFA}" type="datetimeFigureOut">
               <a:rPr lang="ru-RU" smtClean="0"/>
-              <a:t>09.11.2020</a:t>
+              <a:t>12.11.2020</a:t>
             </a:fld>
             <a:endParaRPr lang="ru-RU"/>
           </a:p>
@@ -1821,7 +1822,7 @@
           <a:p>
             <a:fld id="{7C751477-A9B5-4421-8294-37C3F78A4AFA}" type="datetimeFigureOut">
               <a:rPr lang="ru-RU" smtClean="0"/>
-              <a:t>09.11.2020</a:t>
+              <a:t>12.11.2020</a:t>
             </a:fld>
             <a:endParaRPr lang="ru-RU"/>
           </a:p>
@@ -2098,7 +2099,7 @@
           <a:p>
             <a:fld id="{7C751477-A9B5-4421-8294-37C3F78A4AFA}" type="datetimeFigureOut">
               <a:rPr lang="ru-RU" smtClean="0"/>
-              <a:t>09.11.2020</a:t>
+              <a:t>12.11.2020</a:t>
             </a:fld>
             <a:endParaRPr lang="ru-RU"/>
           </a:p>
@@ -2351,7 +2352,7 @@
           <a:p>
             <a:fld id="{7C751477-A9B5-4421-8294-37C3F78A4AFA}" type="datetimeFigureOut">
               <a:rPr lang="ru-RU" smtClean="0"/>
-              <a:t>09.11.2020</a:t>
+              <a:t>12.11.2020</a:t>
             </a:fld>
             <a:endParaRPr lang="ru-RU"/>
           </a:p>
@@ -2564,7 +2565,7 @@
           <a:p>
             <a:fld id="{7C751477-A9B5-4421-8294-37C3F78A4AFA}" type="datetimeFigureOut">
               <a:rPr lang="ru-RU" smtClean="0"/>
-              <a:t>09.11.2020</a:t>
+              <a:t>12.11.2020</a:t>
             </a:fld>
             <a:endParaRPr lang="ru-RU"/>
           </a:p>
@@ -3008,7 +3009,19 @@
           <a:lstStyle/>
           <a:p>
             <a:pPr algn="ctr"/>
-            <a:endParaRPr lang="ru-RU"/>
+            <a:r>
+              <a:rPr lang="en-US" dirty="0" smtClean="0">
+                <a:solidFill>
+                  <a:schemeClr val="tx1"/>
+                </a:solidFill>
+              </a:rPr>
+              <a:t>J</a:t>
+            </a:r>
+            <a:endParaRPr lang="ru-RU" dirty="0">
+              <a:solidFill>
+                <a:schemeClr val="tx1"/>
+              </a:solidFill>
+            </a:endParaRPr>
           </a:p>
         </p:txBody>
       </p:sp>
@@ -3020,8 +3033,8 @@
         </p:nvSpPr>
         <p:spPr>
           <a:xfrm>
-            <a:off x="5390143" y="-67377"/>
-            <a:ext cx="1626671" cy="830997"/>
+            <a:off x="5390143" y="121163"/>
+            <a:ext cx="1626671" cy="584775"/>
           </a:xfrm>
           <a:prstGeom prst="rect">
             <a:avLst/>
@@ -3037,7 +3050,23 @@
             <a:pPr algn="ctr"/>
             <a:r>
               <a:rPr lang="ru-RU" sz="1600" dirty="0" smtClean="0"/>
-              <a:t>Повышение благосостояния граждан</a:t>
+              <a:t>Б</a:t>
+            </a:r>
+            <a:r>
+              <a:rPr lang="ru-RU" sz="1600" dirty="0" smtClean="0"/>
+              <a:t>лагосостояни</a:t>
+            </a:r>
+            <a:r>
+              <a:rPr lang="ru-RU" sz="1600" dirty="0" smtClean="0"/>
+              <a:t>е</a:t>
+            </a:r>
+            <a:r>
+              <a:rPr lang="ru-RU" sz="1600" dirty="0" smtClean="0"/>
+              <a:t> </a:t>
+            </a:r>
+            <a:r>
+              <a:rPr lang="ru-RU" sz="1600" dirty="0" smtClean="0"/>
+              <a:t>граждан</a:t>
             </a:r>
             <a:endParaRPr lang="ru-RU" sz="1600" dirty="0"/>
           </a:p>
@@ -3094,7 +3123,7 @@
         </p:nvSpPr>
         <p:spPr>
           <a:xfrm>
-            <a:off x="7016814" y="2681022"/>
+            <a:off x="7016814" y="2681020"/>
             <a:ext cx="760396" cy="770021"/>
           </a:xfrm>
           <a:prstGeom prst="ellipse">
@@ -3125,7 +3154,19 @@
           <a:lstStyle/>
           <a:p>
             <a:pPr algn="ctr"/>
-            <a:endParaRPr lang="ru-RU"/>
+            <a:r>
+              <a:rPr lang="en-US" dirty="0">
+                <a:solidFill>
+                  <a:schemeClr val="tx1"/>
+                </a:solidFill>
+              </a:rPr>
+              <a:t>F</a:t>
+            </a:r>
+            <a:endParaRPr lang="ru-RU" dirty="0">
+              <a:solidFill>
+                <a:schemeClr val="tx1"/>
+              </a:solidFill>
+            </a:endParaRPr>
           </a:p>
         </p:txBody>
       </p:sp>
@@ -3211,7 +3252,19 @@
           <a:lstStyle/>
           <a:p>
             <a:pPr algn="ctr"/>
-            <a:endParaRPr lang="ru-RU"/>
+            <a:r>
+              <a:rPr lang="en-US" dirty="0">
+                <a:solidFill>
+                  <a:schemeClr val="tx1"/>
+                </a:solidFill>
+              </a:rPr>
+              <a:t>D</a:t>
+            </a:r>
+            <a:endParaRPr lang="ru-RU" dirty="0">
+              <a:solidFill>
+                <a:schemeClr val="tx1"/>
+              </a:solidFill>
+            </a:endParaRPr>
           </a:p>
         </p:txBody>
       </p:sp>
@@ -3223,7 +3276,7 @@
         </p:nvSpPr>
         <p:spPr>
           <a:xfrm>
-            <a:off x="1546548" y="5617579"/>
+            <a:off x="1566426" y="5621180"/>
             <a:ext cx="760396" cy="770021"/>
           </a:xfrm>
           <a:prstGeom prst="ellipse">
@@ -3257,7 +3310,19 @@
           <a:lstStyle/>
           <a:p>
             <a:pPr algn="ctr"/>
-            <a:endParaRPr lang="ru-RU"/>
+            <a:r>
+              <a:rPr lang="en-US" dirty="0" smtClean="0">
+                <a:solidFill>
+                  <a:schemeClr val="tx1"/>
+                </a:solidFill>
+              </a:rPr>
+              <a:t>B</a:t>
+            </a:r>
+            <a:endParaRPr lang="ru-RU" dirty="0">
+              <a:solidFill>
+                <a:schemeClr val="tx1"/>
+              </a:solidFill>
+            </a:endParaRPr>
           </a:p>
         </p:txBody>
       </p:sp>
@@ -3269,8 +3334,8 @@
         </p:nvSpPr>
         <p:spPr>
           <a:xfrm>
-            <a:off x="3031567" y="4226097"/>
-            <a:ext cx="2469672" cy="584775"/>
+            <a:off x="3096574" y="3646667"/>
+            <a:ext cx="2469672" cy="523220"/>
           </a:xfrm>
           <a:prstGeom prst="rect">
             <a:avLst/>
@@ -3285,10 +3350,10 @@
           <a:p>
             <a:pPr algn="ctr"/>
             <a:r>
-              <a:rPr lang="ru-RU" sz="1600" dirty="0" smtClean="0"/>
+              <a:rPr lang="ru-RU" sz="1400" dirty="0" smtClean="0"/>
               <a:t>Реальная политическая конкуренция</a:t>
             </a:r>
-            <a:endParaRPr lang="ru-RU" sz="1600" dirty="0"/>
+            <a:endParaRPr lang="ru-RU" sz="1400" dirty="0"/>
           </a:p>
         </p:txBody>
       </p:sp>
@@ -3300,8 +3365,8 @@
         </p:nvSpPr>
         <p:spPr>
           <a:xfrm>
-            <a:off x="6021225" y="4138890"/>
-            <a:ext cx="3031957" cy="584775"/>
+            <a:off x="7500386" y="4155422"/>
+            <a:ext cx="3031957" cy="523220"/>
           </a:xfrm>
           <a:prstGeom prst="rect">
             <a:avLst/>
@@ -3316,10 +3381,14 @@
           <a:p>
             <a:pPr algn="ctr"/>
             <a:r>
-              <a:rPr lang="ru-RU" sz="1600" dirty="0" smtClean="0"/>
-              <a:t>Сосредоточение власти в руках одного человека и/или партии</a:t>
-            </a:r>
-            <a:endParaRPr lang="ru-RU" sz="1600" dirty="0"/>
+              <a:rPr lang="ru-RU" sz="1400" dirty="0" smtClean="0"/>
+              <a:t>Сосредоточение власти в руках </a:t>
+            </a:r>
+            <a:r>
+              <a:rPr lang="ru-RU" sz="1400" dirty="0" smtClean="0"/>
+              <a:t>одной партии</a:t>
+            </a:r>
+            <a:endParaRPr lang="ru-RU" sz="1400" dirty="0"/>
           </a:p>
         </p:txBody>
       </p:sp>
@@ -3331,8 +3400,8 @@
         </p:nvSpPr>
         <p:spPr>
           <a:xfrm>
-            <a:off x="6829164" y="2820101"/>
-            <a:ext cx="1135696" cy="338554"/>
+            <a:off x="5902654" y="2438484"/>
+            <a:ext cx="1888466" cy="307777"/>
           </a:xfrm>
           <a:prstGeom prst="rect">
             <a:avLst/>
@@ -3346,10 +3415,10 @@
           <a:lstStyle/>
           <a:p>
             <a:r>
-              <a:rPr lang="ru-RU" sz="1600" dirty="0" smtClean="0"/>
-              <a:t>Коррупция</a:t>
-            </a:r>
-            <a:endParaRPr lang="ru-RU" sz="1600" dirty="0"/>
+              <a:rPr lang="ru-RU" sz="1400" dirty="0"/>
+              <a:t>Индекс взяткодателей</a:t>
+            </a:r>
+            <a:endParaRPr lang="ru-RU" sz="1400" dirty="0"/>
           </a:p>
         </p:txBody>
       </p:sp>
@@ -3357,14 +3426,15 @@
         <p:nvCxnSpPr>
           <p:cNvPr id="26" name="Прямая со стрелкой 25"/>
           <p:cNvCxnSpPr>
+            <a:stCxn id="16" idx="7"/>
             <a:endCxn id="14" idx="3"/>
           </p:cNvCxnSpPr>
           <p:nvPr/>
         </p:nvCxnSpPr>
         <p:spPr>
           <a:xfrm flipV="1">
-            <a:off x="4362787" y="3338276"/>
-            <a:ext cx="2765384" cy="1083533"/>
+            <a:off x="4535244" y="3338274"/>
+            <a:ext cx="2592927" cy="913383"/>
           </a:xfrm>
           <a:prstGeom prst="straightConnector1">
             <a:avLst/>
@@ -3397,8 +3467,8 @@
         </p:nvSpPr>
         <p:spPr>
           <a:xfrm>
-            <a:off x="536344" y="5713804"/>
-            <a:ext cx="2820560" cy="584775"/>
+            <a:off x="604392" y="6303994"/>
+            <a:ext cx="2820560" cy="523220"/>
           </a:xfrm>
           <a:prstGeom prst="rect">
             <a:avLst/>
@@ -3413,10 +3483,10 @@
           <a:p>
             <a:pPr algn="ctr"/>
             <a:r>
-              <a:rPr lang="ru-RU" sz="1600" dirty="0" smtClean="0"/>
+              <a:rPr lang="ru-RU" sz="1400" dirty="0" smtClean="0"/>
               <a:t>Активное участие населения в политической жизни страны</a:t>
             </a:r>
-            <a:endParaRPr lang="ru-RU" sz="1600" dirty="0"/>
+            <a:endParaRPr lang="ru-RU" sz="1400" dirty="0"/>
           </a:p>
         </p:txBody>
       </p:sp>
@@ -3428,8 +3498,8 @@
         </p:nvSpPr>
         <p:spPr>
           <a:xfrm>
-            <a:off x="1233727" y="4231513"/>
-            <a:ext cx="1386037" cy="584775"/>
+            <a:off x="525193" y="4256874"/>
+            <a:ext cx="1386037" cy="523220"/>
           </a:xfrm>
           <a:prstGeom prst="rect">
             <a:avLst/>
@@ -3444,10 +3514,10 @@
           <a:p>
             <a:pPr algn="ctr"/>
             <a:r>
-              <a:rPr lang="ru-RU" sz="1600" dirty="0" smtClean="0"/>
+              <a:rPr lang="ru-RU" sz="1400" dirty="0" smtClean="0"/>
               <a:t>Честные выборы</a:t>
             </a:r>
-            <a:endParaRPr lang="ru-RU" sz="1600" dirty="0"/>
+            <a:endParaRPr lang="ru-RU" sz="1400" dirty="0"/>
           </a:p>
         </p:txBody>
       </p:sp>
@@ -3455,7 +3525,7 @@
         <p:nvCxnSpPr>
           <p:cNvPr id="30" name="Прямая со стрелкой 29"/>
           <p:cNvCxnSpPr>
-            <a:stCxn id="27" idx="0"/>
+            <a:stCxn id="17" idx="0"/>
             <a:endCxn id="13" idx="4"/>
           </p:cNvCxnSpPr>
           <p:nvPr/>
@@ -3463,7 +3533,7 @@
         <p:spPr>
           <a:xfrm flipV="1">
             <a:off x="1946624" y="4908911"/>
-            <a:ext cx="0" cy="804893"/>
+            <a:ext cx="0" cy="712269"/>
           </a:xfrm>
           <a:prstGeom prst="straightConnector1">
             <a:avLst/>
@@ -3523,13 +3593,15 @@
       <p:cxnSp>
         <p:nvCxnSpPr>
           <p:cNvPr id="41" name="Прямая со стрелкой 40"/>
-          <p:cNvCxnSpPr/>
+          <p:cNvCxnSpPr>
+            <a:endCxn id="15" idx="2"/>
+          </p:cNvCxnSpPr>
           <p:nvPr/>
         </p:nvCxnSpPr>
         <p:spPr>
-          <a:xfrm>
-            <a:off x="4646601" y="4474131"/>
-            <a:ext cx="2414021" cy="3775"/>
+          <a:xfrm flipV="1">
+            <a:off x="4646601" y="4431913"/>
+            <a:ext cx="2370213" cy="42218"/>
           </a:xfrm>
           <a:prstGeom prst="straightConnector1">
             <a:avLst/>
@@ -3632,7 +3704,19 @@
           <a:lstStyle/>
           <a:p>
             <a:pPr algn="ctr"/>
-            <a:endParaRPr lang="ru-RU"/>
+            <a:r>
+              <a:rPr lang="en-US" dirty="0" smtClean="0">
+                <a:solidFill>
+                  <a:schemeClr val="tx1"/>
+                </a:solidFill>
+              </a:rPr>
+              <a:t>A</a:t>
+            </a:r>
+            <a:endParaRPr lang="ru-RU" dirty="0">
+              <a:solidFill>
+                <a:schemeClr val="tx1"/>
+              </a:solidFill>
+            </a:endParaRPr>
           </a:p>
         </p:txBody>
       </p:sp>
@@ -3644,7 +3728,7 @@
         </p:nvSpPr>
         <p:spPr>
           <a:xfrm>
-            <a:off x="6203478" y="5639437"/>
+            <a:off x="7777210" y="5698693"/>
             <a:ext cx="2755133" cy="646331"/>
           </a:xfrm>
           <a:prstGeom prst="rect">
@@ -3705,7 +3789,19 @@
           <a:lstStyle/>
           <a:p>
             <a:pPr algn="ctr"/>
-            <a:endParaRPr lang="ru-RU"/>
+            <a:r>
+              <a:rPr lang="en-US" dirty="0">
+                <a:solidFill>
+                  <a:schemeClr val="tx1"/>
+                </a:solidFill>
+              </a:rPr>
+              <a:t>H</a:t>
+            </a:r>
+            <a:endParaRPr lang="ru-RU" dirty="0">
+              <a:solidFill>
+                <a:schemeClr val="tx1"/>
+              </a:solidFill>
+            </a:endParaRPr>
           </a:p>
         </p:txBody>
       </p:sp>
@@ -3717,8 +3813,8 @@
         </p:nvSpPr>
         <p:spPr>
           <a:xfrm>
-            <a:off x="645167" y="2681022"/>
-            <a:ext cx="2739010" cy="738664"/>
+            <a:off x="2131587" y="2828867"/>
+            <a:ext cx="2586729" cy="461665"/>
           </a:xfrm>
           <a:prstGeom prst="rect">
             <a:avLst/>
@@ -3733,10 +3829,10 @@
           <a:p>
             <a:pPr algn="ctr"/>
             <a:r>
-              <a:rPr lang="ru-RU" sz="1400" dirty="0" smtClean="0"/>
-              <a:t>Монополизация в различных сферах (добывающие компании, бизнес, сферы услуг)</a:t>
-            </a:r>
-            <a:endParaRPr lang="ru-RU" sz="1400" dirty="0"/>
+              <a:rPr lang="ru-RU" sz="1200" dirty="0" smtClean="0"/>
+              <a:t>Доля подконтрольных системообразующих предприятий</a:t>
+            </a:r>
+            <a:endParaRPr lang="ru-RU" sz="1200" dirty="0"/>
           </a:p>
         </p:txBody>
       </p:sp>
@@ -3850,7 +3946,19 @@
           <a:lstStyle/>
           <a:p>
             <a:pPr algn="ctr"/>
-            <a:endParaRPr lang="ru-RU"/>
+            <a:r>
+              <a:rPr lang="en-US" sz="1600" dirty="0" smtClean="0">
+                <a:solidFill>
+                  <a:schemeClr val="tx1"/>
+                </a:solidFill>
+              </a:rPr>
+              <a:t>I</a:t>
+            </a:r>
+            <a:endParaRPr lang="ru-RU" sz="1600" dirty="0">
+              <a:solidFill>
+                <a:schemeClr val="tx1"/>
+              </a:solidFill>
+            </a:endParaRPr>
           </a:p>
         </p:txBody>
       </p:sp>
@@ -3899,8 +4007,8 @@
         </p:nvSpPr>
         <p:spPr>
           <a:xfrm>
-            <a:off x="993095" y="1558940"/>
-            <a:ext cx="2226828" cy="369332"/>
+            <a:off x="-40623" y="1398495"/>
+            <a:ext cx="1770678" cy="307777"/>
           </a:xfrm>
           <a:prstGeom prst="rect">
             <a:avLst/>
@@ -3914,10 +4022,10 @@
           <a:lstStyle/>
           <a:p>
             <a:r>
-              <a:rPr lang="ru-RU" dirty="0" smtClean="0"/>
+              <a:rPr lang="ru-RU" sz="1400" dirty="0" smtClean="0"/>
               <a:t>Экономический рост</a:t>
             </a:r>
-            <a:endParaRPr lang="ru-RU" dirty="0"/>
+            <a:endParaRPr lang="ru-RU" sz="1400" dirty="0"/>
           </a:p>
         </p:txBody>
       </p:sp>
@@ -3996,7 +4104,19 @@
           <a:lstStyle/>
           <a:p>
             <a:pPr algn="ctr"/>
-            <a:endParaRPr lang="ru-RU" dirty="0"/>
+            <a:r>
+              <a:rPr lang="en-US" dirty="0" smtClean="0">
+                <a:solidFill>
+                  <a:schemeClr val="tx1"/>
+                </a:solidFill>
+              </a:rPr>
+              <a:t>G</a:t>
+            </a:r>
+            <a:endParaRPr lang="ru-RU" dirty="0">
+              <a:solidFill>
+                <a:schemeClr val="tx1"/>
+              </a:solidFill>
+            </a:endParaRPr>
           </a:p>
         </p:txBody>
       </p:sp>
@@ -4008,8 +4128,8 @@
         </p:nvSpPr>
         <p:spPr>
           <a:xfrm>
-            <a:off x="9047131" y="2788744"/>
-            <a:ext cx="1922668" cy="523220"/>
+            <a:off x="10269332" y="2804421"/>
+            <a:ext cx="1922668" cy="307777"/>
           </a:xfrm>
           <a:prstGeom prst="rect">
             <a:avLst/>
@@ -4024,15 +4144,11 @@
           <a:p>
             <a:r>
               <a:rPr lang="ru-RU" sz="1400" dirty="0" smtClean="0"/>
-              <a:t>Уровень преступлений (в </a:t>
-            </a:r>
-            <a:r>
-              <a:rPr lang="ru-RU" sz="1400" dirty="0" err="1" smtClean="0"/>
-              <a:t>т.ч</a:t>
-            </a:r>
-            <a:r>
-              <a:rPr lang="ru-RU" sz="1400" dirty="0" smtClean="0"/>
-              <a:t>. экономических)</a:t>
+              <a:t>Хищения </a:t>
+            </a:r>
+            <a:r>
+              <a:rPr lang="ru-RU" sz="1400" dirty="0"/>
+              <a:t>из бюджета</a:t>
             </a:r>
             <a:endParaRPr lang="ru-RU" sz="1400" dirty="0"/>
           </a:p>
@@ -4144,13 +4260,15 @@
       <p:cxnSp>
         <p:nvCxnSpPr>
           <p:cNvPr id="5" name="Прямая со стрелкой 4"/>
-          <p:cNvCxnSpPr/>
+          <p:cNvCxnSpPr>
+            <a:stCxn id="69" idx="1"/>
+          </p:cNvCxnSpPr>
           <p:nvPr/>
         </p:nvCxnSpPr>
         <p:spPr>
           <a:xfrm flipH="1" flipV="1">
             <a:off x="2306945" y="1881138"/>
-            <a:ext cx="7233676" cy="994734"/>
+            <a:ext cx="7345033" cy="912650"/>
           </a:xfrm>
           <a:prstGeom prst="straightConnector1">
             <a:avLst/>
@@ -4208,10 +4326,913 @@
           </a:fontRef>
         </p:style>
       </p:cxnSp>
+      <p:sp>
+        <p:nvSpPr>
+          <p:cNvPr id="9" name="TextBox 8"/>
+          <p:cNvSpPr txBox="1"/>
+          <p:nvPr/>
+        </p:nvSpPr>
+        <p:spPr>
+          <a:xfrm>
+            <a:off x="1772697" y="4339235"/>
+            <a:ext cx="308098" cy="369332"/>
+          </a:xfrm>
+          <a:prstGeom prst="rect">
+            <a:avLst/>
+          </a:prstGeom>
+          <a:noFill/>
+        </p:spPr>
+        <p:txBody>
+          <a:bodyPr wrap="none" rtlCol="0">
+            <a:spAutoFit/>
+          </a:bodyPr>
+          <a:lstStyle/>
+          <a:p>
+            <a:r>
+              <a:rPr lang="en-US" dirty="0"/>
+              <a:t>C</a:t>
+            </a:r>
+            <a:endParaRPr lang="ru-RU" dirty="0"/>
+          </a:p>
+        </p:txBody>
+      </p:sp>
+      <p:sp>
+        <p:nvSpPr>
+          <p:cNvPr id="22" name="TextBox 21"/>
+          <p:cNvSpPr txBox="1"/>
+          <p:nvPr/>
+        </p:nvSpPr>
+        <p:spPr>
+          <a:xfrm>
+            <a:off x="7262171" y="4256874"/>
+            <a:ext cx="296876" cy="369332"/>
+          </a:xfrm>
+          <a:prstGeom prst="rect">
+            <a:avLst/>
+          </a:prstGeom>
+          <a:noFill/>
+        </p:spPr>
+        <p:txBody>
+          <a:bodyPr wrap="none" rtlCol="0">
+            <a:spAutoFit/>
+          </a:bodyPr>
+          <a:lstStyle/>
+          <a:p>
+            <a:r>
+              <a:rPr lang="en-US" dirty="0" smtClean="0"/>
+              <a:t>E</a:t>
+            </a:r>
+            <a:endParaRPr lang="ru-RU" dirty="0"/>
+          </a:p>
+        </p:txBody>
+      </p:sp>
     </p:spTree>
     <p:extLst>
       <p:ext uri="{BB962C8B-B14F-4D97-AF65-F5344CB8AC3E}">
         <p14:creationId xmlns:p14="http://schemas.microsoft.com/office/powerpoint/2010/main" val="2005072773"/>
+      </p:ext>
+    </p:extLst>
+  </p:cSld>
+  <p:clrMapOvr>
+    <a:masterClrMapping/>
+  </p:clrMapOvr>
+</p:sld>
+</file>
+
+<file path=ppt/slides/slide2.xml><?xml version="1.0" encoding="utf-8"?>
+<p:sld xmlns:a="http://schemas.openxmlformats.org/drawingml/2006/main" xmlns:r="http://schemas.openxmlformats.org/officeDocument/2006/relationships" xmlns:p="http://schemas.openxmlformats.org/presentationml/2006/main">
+  <p:cSld>
+    <p:spTree>
+      <p:nvGrpSpPr>
+        <p:cNvPr id="1" name=""/>
+        <p:cNvGrpSpPr/>
+        <p:nvPr/>
+      </p:nvGrpSpPr>
+      <p:grpSpPr>
+        <a:xfrm>
+          <a:off x="0" y="0"/>
+          <a:ext cx="0" cy="0"/>
+          <a:chOff x="0" y="0"/>
+          <a:chExt cx="0" cy="0"/>
+        </a:xfrm>
+      </p:grpSpPr>
+      <p:graphicFrame>
+        <p:nvGraphicFramePr>
+          <p:cNvPr id="5" name="Таблица 4"/>
+          <p:cNvGraphicFramePr>
+            <a:graphicFrameLocks noGrp="1"/>
+          </p:cNvGraphicFramePr>
+          <p:nvPr>
+            <p:extLst>
+              <p:ext uri="{D42A27DB-BD31-4B8C-83A1-F6EECF244321}">
+                <p14:modId xmlns:p14="http://schemas.microsoft.com/office/powerpoint/2010/main" val="1995280347"/>
+              </p:ext>
+            </p:extLst>
+          </p:nvPr>
+        </p:nvGraphicFramePr>
+        <p:xfrm>
+          <a:off x="1990811" y="1040942"/>
+          <a:ext cx="7515654" cy="4828930"/>
+        </p:xfrm>
+        <a:graphic>
+          <a:graphicData uri="http://schemas.openxmlformats.org/drawingml/2006/table">
+            <a:tbl>
+              <a:tblPr firstRow="1" bandRow="1">
+                <a:tableStyleId>{5C22544A-7EE6-4342-B048-85BDC9FD1C3A}</a:tableStyleId>
+              </a:tblPr>
+              <a:tblGrid>
+                <a:gridCol w="1090141"/>
+                <a:gridCol w="1713470"/>
+                <a:gridCol w="3739978"/>
+                <a:gridCol w="972065"/>
+              </a:tblGrid>
+              <a:tr h="346168">
+                <a:tc>
+                  <a:txBody>
+                    <a:bodyPr/>
+                    <a:lstStyle/>
+                    <a:p>
+                      <a:pPr algn="ctr"/>
+                      <a:r>
+                        <a:rPr lang="ru-RU" sz="1800" b="0" i="0" kern="1200" dirty="0" smtClean="0">
+                          <a:solidFill>
+                            <a:schemeClr val="lt1"/>
+                          </a:solidFill>
+                          <a:effectLst/>
+                          <a:latin typeface="+mn-lt"/>
+                          <a:ea typeface="+mn-ea"/>
+                          <a:cs typeface="+mn-cs"/>
+                        </a:rPr>
+                        <a:t>Элемент</a:t>
+                      </a:r>
+                      <a:endParaRPr lang="ru-RU" dirty="0"/>
+                    </a:p>
+                  </a:txBody>
+                  <a:tcPr/>
+                </a:tc>
+                <a:tc>
+                  <a:txBody>
+                    <a:bodyPr/>
+                    <a:lstStyle/>
+                    <a:p>
+                      <a:pPr algn="ctr"/>
+                      <a:r>
+                        <a:rPr lang="ru-RU" sz="1800" b="0" i="0" kern="1200" dirty="0" smtClean="0">
+                          <a:solidFill>
+                            <a:schemeClr val="lt1"/>
+                          </a:solidFill>
+                          <a:effectLst/>
+                          <a:latin typeface="+mn-lt"/>
+                          <a:ea typeface="+mn-ea"/>
+                          <a:cs typeface="+mn-cs"/>
+                        </a:rPr>
+                        <a:t>Значение</a:t>
+                      </a:r>
+                      <a:endParaRPr lang="ru-RU" dirty="0"/>
+                    </a:p>
+                  </a:txBody>
+                  <a:tcPr/>
+                </a:tc>
+                <a:tc>
+                  <a:txBody>
+                    <a:bodyPr/>
+                    <a:lstStyle/>
+                    <a:p>
+                      <a:pPr algn="ctr"/>
+                      <a:r>
+                        <a:rPr lang="ru-RU" sz="1800" b="0" i="0" kern="1200" dirty="0" smtClean="0">
+                          <a:solidFill>
+                            <a:schemeClr val="lt1"/>
+                          </a:solidFill>
+                          <a:effectLst/>
+                          <a:latin typeface="+mn-lt"/>
+                          <a:ea typeface="+mn-ea"/>
+                          <a:cs typeface="+mn-cs"/>
+                        </a:rPr>
+                        <a:t>Измерение</a:t>
+                      </a:r>
+                      <a:endParaRPr lang="ru-RU" dirty="0"/>
+                    </a:p>
+                  </a:txBody>
+                  <a:tcPr/>
+                </a:tc>
+                <a:tc>
+                  <a:txBody>
+                    <a:bodyPr/>
+                    <a:lstStyle/>
+                    <a:p>
+                      <a:pPr algn="ctr"/>
+                      <a:r>
+                        <a:rPr lang="ru-RU" sz="1800" b="0" i="0" kern="1200" dirty="0" smtClean="0">
+                          <a:solidFill>
+                            <a:schemeClr val="lt1"/>
+                          </a:solidFill>
+                          <a:effectLst/>
+                          <a:latin typeface="+mn-lt"/>
+                          <a:ea typeface="+mn-ea"/>
+                          <a:cs typeface="+mn-cs"/>
+                        </a:rPr>
+                        <a:t>Вид</a:t>
+                      </a:r>
+                      <a:endParaRPr lang="ru-RU" dirty="0"/>
+                    </a:p>
+                  </a:txBody>
+                  <a:tcPr/>
+                </a:tc>
+              </a:tr>
+              <a:tr h="426782">
+                <a:tc>
+                  <a:txBody>
+                    <a:bodyPr/>
+                    <a:lstStyle/>
+                    <a:p>
+                      <a:r>
+                        <a:rPr lang="en-US" dirty="0" smtClean="0"/>
+                        <a:t>A</a:t>
+                      </a:r>
+                      <a:endParaRPr lang="ru-RU" dirty="0"/>
+                    </a:p>
+                  </a:txBody>
+                  <a:tcPr/>
+                </a:tc>
+                <a:tc>
+                  <a:txBody>
+                    <a:bodyPr/>
+                    <a:lstStyle/>
+                    <a:p>
+                      <a:pPr algn="ctr"/>
+                      <a:r>
+                        <a:rPr lang="ru-RU" sz="1800" dirty="0" smtClean="0"/>
+                        <a:t>0.21</a:t>
+                      </a:r>
+                      <a:endParaRPr lang="ru-RU" sz="1800" dirty="0"/>
+                    </a:p>
+                  </a:txBody>
+                  <a:tcPr anchor="ctr"/>
+                </a:tc>
+                <a:tc>
+                  <a:txBody>
+                    <a:bodyPr/>
+                    <a:lstStyle/>
+                    <a:p>
+                      <a:pPr algn="ctr"/>
+                      <a:r>
+                        <a:rPr lang="ru-RU" sz="1100" dirty="0" smtClean="0"/>
+                        <a:t>Доля субъектов с прямыми выборами глав региона</a:t>
+                      </a:r>
+                      <a:endParaRPr lang="ru-RU" sz="1100" dirty="0"/>
+                    </a:p>
+                  </a:txBody>
+                  <a:tcPr anchor="ctr"/>
+                </a:tc>
+                <a:tc>
+                  <a:txBody>
+                    <a:bodyPr/>
+                    <a:lstStyle/>
+                    <a:p>
+                      <a:pPr algn="ctr"/>
+                      <a:r>
+                        <a:rPr lang="ru-RU" dirty="0" smtClean="0"/>
+                        <a:t>Субъект</a:t>
+                      </a:r>
+                      <a:endParaRPr lang="ru-RU" dirty="0"/>
+                    </a:p>
+                  </a:txBody>
+                  <a:tcPr anchor="ctr"/>
+                </a:tc>
+              </a:tr>
+              <a:tr h="426782">
+                <a:tc>
+                  <a:txBody>
+                    <a:bodyPr/>
+                    <a:lstStyle/>
+                    <a:p>
+                      <a:r>
+                        <a:rPr lang="en-US" dirty="0" smtClean="0"/>
+                        <a:t>B</a:t>
+                      </a:r>
+                      <a:endParaRPr lang="ru-RU" dirty="0"/>
+                    </a:p>
+                  </a:txBody>
+                  <a:tcPr/>
+                </a:tc>
+                <a:tc>
+                  <a:txBody>
+                    <a:bodyPr/>
+                    <a:lstStyle/>
+                    <a:p>
+                      <a:pPr algn="ctr"/>
+                      <a:r>
+                        <a:rPr lang="ru-RU" dirty="0" smtClean="0"/>
+                        <a:t>0.1</a:t>
+                      </a:r>
+                      <a:endParaRPr lang="ru-RU" dirty="0"/>
+                    </a:p>
+                  </a:txBody>
+                  <a:tcPr anchor="ctr"/>
+                </a:tc>
+                <a:tc>
+                  <a:txBody>
+                    <a:bodyPr/>
+                    <a:lstStyle/>
+                    <a:p>
+                      <a:pPr algn="ctr"/>
+                      <a:r>
+                        <a:rPr lang="ru-RU" sz="1100" dirty="0" smtClean="0"/>
+                        <a:t>Доля </a:t>
+                      </a:r>
+                      <a:r>
+                        <a:rPr lang="ru-RU" sz="1100" dirty="0" err="1" smtClean="0"/>
+                        <a:t>политичкски</a:t>
+                      </a:r>
+                      <a:r>
+                        <a:rPr lang="ru-RU" sz="1100" dirty="0" smtClean="0"/>
+                        <a:t> активного населения</a:t>
+                      </a:r>
+                      <a:endParaRPr lang="ru-RU" sz="1100" dirty="0"/>
+                    </a:p>
+                  </a:txBody>
+                  <a:tcPr anchor="ctr"/>
+                </a:tc>
+                <a:tc>
+                  <a:txBody>
+                    <a:bodyPr/>
+                    <a:lstStyle/>
+                    <a:p>
+                      <a:pPr algn="ctr"/>
+                      <a:r>
+                        <a:rPr lang="ru-RU" dirty="0" smtClean="0"/>
+                        <a:t>Субъект</a:t>
+                      </a:r>
+                      <a:endParaRPr lang="ru-RU" dirty="0"/>
+                    </a:p>
+                  </a:txBody>
+                  <a:tcPr anchor="ctr"/>
+                </a:tc>
+              </a:tr>
+              <a:tr h="392318">
+                <a:tc>
+                  <a:txBody>
+                    <a:bodyPr/>
+                    <a:lstStyle/>
+                    <a:p>
+                      <a:r>
+                        <a:rPr lang="en-US" dirty="0" smtClean="0"/>
+                        <a:t>C</a:t>
+                      </a:r>
+                      <a:endParaRPr lang="ru-RU" dirty="0"/>
+                    </a:p>
+                  </a:txBody>
+                  <a:tcPr/>
+                </a:tc>
+                <a:tc>
+                  <a:txBody>
+                    <a:bodyPr/>
+                    <a:lstStyle/>
+                    <a:p>
+                      <a:pPr algn="ctr"/>
+                      <a:r>
+                        <a:rPr lang="ru-RU" dirty="0" smtClean="0"/>
+                        <a:t>0.4</a:t>
+                      </a:r>
+                      <a:endParaRPr lang="ru-RU" dirty="0"/>
+                    </a:p>
+                  </a:txBody>
+                  <a:tcPr anchor="ctr"/>
+                </a:tc>
+                <a:tc>
+                  <a:txBody>
+                    <a:bodyPr/>
+                    <a:lstStyle/>
+                    <a:p>
+                      <a:pPr algn="ctr"/>
+                      <a:r>
+                        <a:rPr lang="ru-RU" sz="1100" dirty="0" smtClean="0"/>
+                        <a:t>Доля выборов, проведенных без нарушений</a:t>
+                      </a:r>
+                      <a:endParaRPr lang="ru-RU" sz="1100" dirty="0"/>
+                    </a:p>
+                  </a:txBody>
+                  <a:tcPr anchor="ctr"/>
+                </a:tc>
+                <a:tc>
+                  <a:txBody>
+                    <a:bodyPr/>
+                    <a:lstStyle/>
+                    <a:p>
+                      <a:pPr algn="ctr"/>
+                      <a:endParaRPr lang="ru-RU"/>
+                    </a:p>
+                  </a:txBody>
+                  <a:tcPr anchor="ctr"/>
+                </a:tc>
+              </a:tr>
+              <a:tr h="403654">
+                <a:tc>
+                  <a:txBody>
+                    <a:bodyPr/>
+                    <a:lstStyle/>
+                    <a:p>
+                      <a:r>
+                        <a:rPr lang="en-US" dirty="0" smtClean="0"/>
+                        <a:t>D</a:t>
+                      </a:r>
+                      <a:endParaRPr lang="ru-RU" dirty="0"/>
+                    </a:p>
+                  </a:txBody>
+                  <a:tcPr/>
+                </a:tc>
+                <a:tc>
+                  <a:txBody>
+                    <a:bodyPr/>
+                    <a:lstStyle/>
+                    <a:p>
+                      <a:pPr algn="ctr"/>
+                      <a:r>
+                        <a:rPr lang="ru-RU" dirty="0" smtClean="0"/>
+                        <a:t>0.2</a:t>
+                      </a:r>
+                      <a:endParaRPr lang="ru-RU" dirty="0"/>
+                    </a:p>
+                  </a:txBody>
+                  <a:tcPr anchor="ctr"/>
+                </a:tc>
+                <a:tc>
+                  <a:txBody>
+                    <a:bodyPr/>
+                    <a:lstStyle/>
+                    <a:p>
+                      <a:pPr marL="0" marR="0" indent="0" algn="ctr" defTabSz="914400" rtl="0" eaLnBrk="1" fontAlgn="auto" latinLnBrk="0" hangingPunct="1">
+                        <a:lnSpc>
+                          <a:spcPct val="100000"/>
+                        </a:lnSpc>
+                        <a:spcBef>
+                          <a:spcPts val="0"/>
+                        </a:spcBef>
+                        <a:spcAft>
+                          <a:spcPts val="0"/>
+                        </a:spcAft>
+                        <a:buClrTx/>
+                        <a:buSzTx/>
+                        <a:buFontTx/>
+                        <a:buNone/>
+                        <a:tabLst/>
+                        <a:defRPr/>
+                      </a:pPr>
+                      <a:r>
+                        <a:rPr lang="ru-RU" sz="1100" dirty="0" smtClean="0"/>
+                        <a:t>Доля партий (не «</a:t>
+                      </a:r>
+                      <a:r>
+                        <a:rPr lang="ru-RU" sz="1100" dirty="0" err="1" smtClean="0"/>
+                        <a:t>спойлеров</a:t>
+                      </a:r>
+                      <a:r>
+                        <a:rPr lang="ru-RU" sz="1100" dirty="0" smtClean="0"/>
+                        <a:t>»),</a:t>
+                      </a:r>
+                      <a:r>
+                        <a:rPr lang="ru-RU" sz="1100" baseline="0" dirty="0" smtClean="0"/>
+                        <a:t> являющихся реальной оппозицией</a:t>
+                      </a:r>
+                      <a:endParaRPr lang="ru-RU" sz="1100" dirty="0" smtClean="0"/>
+                    </a:p>
+                  </a:txBody>
+                  <a:tcPr anchor="ctr"/>
+                </a:tc>
+                <a:tc>
+                  <a:txBody>
+                    <a:bodyPr/>
+                    <a:lstStyle/>
+                    <a:p>
+                      <a:pPr algn="ctr"/>
+                      <a:endParaRPr lang="ru-RU" dirty="0"/>
+                    </a:p>
+                  </a:txBody>
+                  <a:tcPr anchor="ctr"/>
+                </a:tc>
+              </a:tr>
+              <a:tr h="430015">
+                <a:tc>
+                  <a:txBody>
+                    <a:bodyPr/>
+                    <a:lstStyle/>
+                    <a:p>
+                      <a:r>
+                        <a:rPr lang="en-US" dirty="0" smtClean="0"/>
+                        <a:t>E</a:t>
+                      </a:r>
+                      <a:endParaRPr lang="ru-RU" dirty="0"/>
+                    </a:p>
+                  </a:txBody>
+                  <a:tcPr/>
+                </a:tc>
+                <a:tc>
+                  <a:txBody>
+                    <a:bodyPr/>
+                    <a:lstStyle/>
+                    <a:p>
+                      <a:pPr algn="ctr"/>
+                      <a:r>
+                        <a:rPr lang="ru-RU" dirty="0" smtClean="0"/>
+                        <a:t>0.8</a:t>
+                      </a:r>
+                      <a:endParaRPr lang="ru-RU" dirty="0"/>
+                    </a:p>
+                  </a:txBody>
+                  <a:tcPr anchor="ctr"/>
+                </a:tc>
+                <a:tc>
+                  <a:txBody>
+                    <a:bodyPr/>
+                    <a:lstStyle/>
+                    <a:p>
+                      <a:pPr algn="ctr"/>
+                      <a:r>
+                        <a:rPr lang="ru-RU" sz="1100" dirty="0" smtClean="0"/>
+                        <a:t>Доля</a:t>
+                      </a:r>
+                      <a:r>
+                        <a:rPr lang="ru-RU" sz="1100" baseline="0" dirty="0" smtClean="0"/>
+                        <a:t> областных </a:t>
+                      </a:r>
+                      <a:r>
+                        <a:rPr lang="ru-RU" sz="1100" baseline="0" dirty="0" err="1" smtClean="0"/>
+                        <a:t>зак</a:t>
+                      </a:r>
+                      <a:r>
+                        <a:rPr lang="ru-RU" sz="1100" baseline="0" dirty="0" smtClean="0"/>
+                        <a:t>. собраний, в которых депутаты правящей партии имеют подавляющее большинство</a:t>
+                      </a:r>
+                      <a:endParaRPr lang="ru-RU" sz="1100" dirty="0"/>
+                    </a:p>
+                  </a:txBody>
+                  <a:tcPr anchor="ctr"/>
+                </a:tc>
+                <a:tc>
+                  <a:txBody>
+                    <a:bodyPr/>
+                    <a:lstStyle/>
+                    <a:p>
+                      <a:pPr algn="ctr"/>
+                      <a:endParaRPr lang="ru-RU" dirty="0"/>
+                    </a:p>
+                  </a:txBody>
+                  <a:tcPr anchor="ctr"/>
+                </a:tc>
+              </a:tr>
+              <a:tr h="313038">
+                <a:tc>
+                  <a:txBody>
+                    <a:bodyPr/>
+                    <a:lstStyle/>
+                    <a:p>
+                      <a:r>
+                        <a:rPr lang="en-US" dirty="0" smtClean="0"/>
+                        <a:t>F</a:t>
+                      </a:r>
+                      <a:endParaRPr lang="ru-RU" dirty="0"/>
+                    </a:p>
+                  </a:txBody>
+                  <a:tcPr/>
+                </a:tc>
+                <a:tc>
+                  <a:txBody>
+                    <a:bodyPr/>
+                    <a:lstStyle/>
+                    <a:p>
+                      <a:pPr algn="ctr"/>
+                      <a:r>
+                        <a:rPr lang="ru-RU" dirty="0" smtClean="0"/>
+                        <a:t>6.1</a:t>
+                      </a:r>
+                      <a:endParaRPr lang="ru-RU" dirty="0"/>
+                    </a:p>
+                  </a:txBody>
+                  <a:tcPr anchor="ctr"/>
+                </a:tc>
+                <a:tc>
+                  <a:txBody>
+                    <a:bodyPr/>
+                    <a:lstStyle/>
+                    <a:p>
+                      <a:pPr algn="ctr"/>
+                      <a:r>
+                        <a:rPr lang="ru-RU" sz="1100" b="0" kern="1200" dirty="0" smtClean="0">
+                          <a:solidFill>
+                            <a:schemeClr val="dk1"/>
+                          </a:solidFill>
+                          <a:effectLst/>
+                          <a:latin typeface="+mn-lt"/>
+                          <a:ea typeface="+mn-ea"/>
+                          <a:cs typeface="+mn-cs"/>
+                        </a:rPr>
+                        <a:t>Индекс взяткодателей (метод измерения коррупции) от 0 до 10</a:t>
+                      </a:r>
+                      <a:endParaRPr lang="ru-RU" sz="1100" b="0" dirty="0"/>
+                    </a:p>
+                  </a:txBody>
+                  <a:tcPr anchor="ctr"/>
+                </a:tc>
+                <a:tc>
+                  <a:txBody>
+                    <a:bodyPr/>
+                    <a:lstStyle/>
+                    <a:p>
+                      <a:pPr algn="ctr"/>
+                      <a:endParaRPr lang="ru-RU" dirty="0"/>
+                    </a:p>
+                  </a:txBody>
+                  <a:tcPr anchor="ctr"/>
+                </a:tc>
+              </a:tr>
+              <a:tr h="487680">
+                <a:tc>
+                  <a:txBody>
+                    <a:bodyPr/>
+                    <a:lstStyle/>
+                    <a:p>
+                      <a:r>
+                        <a:rPr lang="en-US" dirty="0" smtClean="0"/>
+                        <a:t>G</a:t>
+                      </a:r>
+                      <a:endParaRPr lang="ru-RU" dirty="0"/>
+                    </a:p>
+                  </a:txBody>
+                  <a:tcPr/>
+                </a:tc>
+                <a:tc>
+                  <a:txBody>
+                    <a:bodyPr/>
+                    <a:lstStyle/>
+                    <a:p>
+                      <a:pPr algn="ctr"/>
+                      <a:r>
+                        <a:rPr lang="ru-RU" dirty="0" smtClean="0"/>
+                        <a:t>4</a:t>
+                      </a:r>
+                      <a:r>
+                        <a:rPr lang="en-US" dirty="0" smtClean="0"/>
+                        <a:t>0</a:t>
+                      </a:r>
+                      <a:r>
+                        <a:rPr lang="ru-RU" dirty="0" smtClean="0"/>
+                        <a:t> </a:t>
+                      </a:r>
+                      <a:r>
+                        <a:rPr lang="en-US" dirty="0" smtClean="0"/>
+                        <a:t>000</a:t>
+                      </a:r>
+                      <a:r>
+                        <a:rPr lang="ru-RU" dirty="0" smtClean="0"/>
+                        <a:t> </a:t>
+                      </a:r>
+                      <a:r>
+                        <a:rPr lang="en-US" dirty="0" smtClean="0"/>
+                        <a:t>000</a:t>
+                      </a:r>
+                      <a:endParaRPr lang="ru-RU" dirty="0"/>
+                    </a:p>
+                  </a:txBody>
+                  <a:tcPr anchor="ctr"/>
+                </a:tc>
+                <a:tc>
+                  <a:txBody>
+                    <a:bodyPr/>
+                    <a:lstStyle/>
+                    <a:p>
+                      <a:pPr algn="ctr"/>
+                      <a:r>
+                        <a:rPr lang="ru-RU" sz="1100" dirty="0" smtClean="0"/>
+                        <a:t>Денежные</a:t>
+                      </a:r>
+                      <a:r>
+                        <a:rPr lang="ru-RU" sz="1100" baseline="0" dirty="0" smtClean="0"/>
+                        <a:t> средства в </a:t>
+                      </a:r>
+                      <a:r>
+                        <a:rPr lang="en-US" sz="1100" baseline="0" dirty="0" smtClean="0"/>
+                        <a:t>USD</a:t>
+                      </a:r>
+                      <a:r>
+                        <a:rPr lang="ru-RU" sz="1100" baseline="0" dirty="0" smtClean="0"/>
+                        <a:t>., украденные из бюджета страны за год</a:t>
+                      </a:r>
+                      <a:endParaRPr lang="ru-RU" sz="1100" dirty="0"/>
+                    </a:p>
+                  </a:txBody>
+                  <a:tcPr anchor="ctr"/>
+                </a:tc>
+                <a:tc>
+                  <a:txBody>
+                    <a:bodyPr/>
+                    <a:lstStyle/>
+                    <a:p>
+                      <a:pPr algn="ctr"/>
+                      <a:endParaRPr lang="ru-RU" dirty="0"/>
+                    </a:p>
+                  </a:txBody>
+                  <a:tcPr anchor="ctr"/>
+                </a:tc>
+              </a:tr>
+              <a:tr h="486033">
+                <a:tc>
+                  <a:txBody>
+                    <a:bodyPr/>
+                    <a:lstStyle/>
+                    <a:p>
+                      <a:r>
+                        <a:rPr lang="en-US" dirty="0" smtClean="0"/>
+                        <a:t>H</a:t>
+                      </a:r>
+                      <a:endParaRPr lang="ru-RU" dirty="0"/>
+                    </a:p>
+                  </a:txBody>
+                  <a:tcPr/>
+                </a:tc>
+                <a:tc>
+                  <a:txBody>
+                    <a:bodyPr/>
+                    <a:lstStyle/>
+                    <a:p>
+                      <a:pPr algn="ctr"/>
+                      <a:r>
+                        <a:rPr lang="ru-RU" dirty="0" smtClean="0"/>
+                        <a:t>0.7</a:t>
+                      </a:r>
+                      <a:endParaRPr lang="ru-RU" dirty="0"/>
+                    </a:p>
+                  </a:txBody>
+                  <a:tcPr anchor="ctr"/>
+                </a:tc>
+                <a:tc>
+                  <a:txBody>
+                    <a:bodyPr/>
+                    <a:lstStyle/>
+                    <a:p>
+                      <a:pPr algn="ctr"/>
+                      <a:r>
+                        <a:rPr lang="ru-RU" sz="1100" dirty="0" smtClean="0"/>
+                        <a:t>Доля системообразующих предприятий прямо или косвенно подконтрольных членам правящей партии</a:t>
+                      </a:r>
+                    </a:p>
+                  </a:txBody>
+                  <a:tcPr anchor="ctr"/>
+                </a:tc>
+                <a:tc>
+                  <a:txBody>
+                    <a:bodyPr/>
+                    <a:lstStyle/>
+                    <a:p>
+                      <a:pPr algn="ctr"/>
+                      <a:endParaRPr lang="ru-RU" dirty="0"/>
+                    </a:p>
+                  </a:txBody>
+                  <a:tcPr anchor="ctr"/>
+                </a:tc>
+              </a:tr>
+              <a:tr h="346168">
+                <a:tc>
+                  <a:txBody>
+                    <a:bodyPr/>
+                    <a:lstStyle/>
+                    <a:p>
+                      <a:r>
+                        <a:rPr lang="en-US" dirty="0" smtClean="0"/>
+                        <a:t>I</a:t>
+                      </a:r>
+                      <a:endParaRPr lang="ru-RU" dirty="0"/>
+                    </a:p>
+                  </a:txBody>
+                  <a:tcPr/>
+                </a:tc>
+                <a:tc>
+                  <a:txBody>
+                    <a:bodyPr/>
+                    <a:lstStyle/>
+                    <a:p>
+                      <a:pPr algn="ctr"/>
+                      <a:r>
+                        <a:rPr lang="en-US" dirty="0" smtClean="0"/>
+                        <a:t>1.5</a:t>
+                      </a:r>
+                      <a:endParaRPr lang="ru-RU" dirty="0"/>
+                    </a:p>
+                  </a:txBody>
+                  <a:tcPr anchor="ctr"/>
+                </a:tc>
+                <a:tc>
+                  <a:txBody>
+                    <a:bodyPr/>
+                    <a:lstStyle/>
+                    <a:p>
+                      <a:pPr algn="ctr"/>
+                      <a:r>
+                        <a:rPr lang="ru-RU" sz="1200" dirty="0" smtClean="0"/>
+                        <a:t>Объем ВВП за год в </a:t>
+                      </a:r>
+                      <a:r>
+                        <a:rPr lang="ru-RU" sz="1200" dirty="0" err="1" smtClean="0"/>
+                        <a:t>трл</a:t>
+                      </a:r>
+                      <a:r>
+                        <a:rPr lang="ru-RU" sz="1200" dirty="0" smtClean="0"/>
+                        <a:t>.</a:t>
+                      </a:r>
+                      <a:r>
+                        <a:rPr lang="ru-RU" sz="1200" baseline="0" dirty="0" smtClean="0"/>
+                        <a:t> </a:t>
+                      </a:r>
+                      <a:r>
+                        <a:rPr lang="en-US" sz="1200" baseline="0" dirty="0" smtClean="0"/>
+                        <a:t>USD</a:t>
+                      </a:r>
+                      <a:endParaRPr lang="ru-RU" sz="1200" dirty="0"/>
+                    </a:p>
+                  </a:txBody>
+                  <a:tcPr anchor="ctr"/>
+                </a:tc>
+                <a:tc>
+                  <a:txBody>
+                    <a:bodyPr/>
+                    <a:lstStyle/>
+                    <a:p>
+                      <a:pPr algn="ctr"/>
+                      <a:endParaRPr lang="ru-RU" dirty="0"/>
+                    </a:p>
+                  </a:txBody>
+                  <a:tcPr anchor="ctr"/>
+                </a:tc>
+              </a:tr>
+              <a:tr h="346168">
+                <a:tc>
+                  <a:txBody>
+                    <a:bodyPr/>
+                    <a:lstStyle/>
+                    <a:p>
+                      <a:r>
+                        <a:rPr lang="en-US" dirty="0" smtClean="0"/>
+                        <a:t>j</a:t>
+                      </a:r>
+                      <a:endParaRPr lang="ru-RU" dirty="0"/>
+                    </a:p>
+                  </a:txBody>
+                  <a:tcPr/>
+                </a:tc>
+                <a:tc>
+                  <a:txBody>
+                    <a:bodyPr/>
+                    <a:lstStyle/>
+                    <a:p>
+                      <a:pPr algn="ctr"/>
+                      <a:r>
+                        <a:rPr lang="ru-RU" dirty="0" smtClean="0"/>
+                        <a:t>286</a:t>
+                      </a:r>
+                      <a:endParaRPr lang="ru-RU" dirty="0"/>
+                    </a:p>
+                  </a:txBody>
+                  <a:tcPr anchor="ctr"/>
+                </a:tc>
+                <a:tc>
+                  <a:txBody>
+                    <a:bodyPr/>
+                    <a:lstStyle/>
+                    <a:p>
+                      <a:pPr algn="ctr"/>
+                      <a:r>
+                        <a:rPr lang="ru-RU" sz="1100" dirty="0" smtClean="0"/>
+                        <a:t>Покупательная способность населения (отношение среднедушевых денежных доходов к величине прожиточного минимума в среднем на душу населения)</a:t>
+                      </a:r>
+                      <a:endParaRPr lang="ru-RU" sz="1100" dirty="0"/>
+                    </a:p>
+                  </a:txBody>
+                  <a:tcPr anchor="ctr"/>
+                </a:tc>
+                <a:tc>
+                  <a:txBody>
+                    <a:bodyPr/>
+                    <a:lstStyle/>
+                    <a:p>
+                      <a:pPr algn="ctr"/>
+                      <a:r>
+                        <a:rPr lang="ru-RU" dirty="0" smtClean="0"/>
+                        <a:t>Объект</a:t>
+                      </a:r>
+                      <a:endParaRPr lang="ru-RU" dirty="0"/>
+                    </a:p>
+                  </a:txBody>
+                  <a:tcPr anchor="ctr"/>
+                </a:tc>
+              </a:tr>
+            </a:tbl>
+          </a:graphicData>
+        </a:graphic>
+      </p:graphicFrame>
+    </p:spTree>
+    <p:extLst>
+      <p:ext uri="{BB962C8B-B14F-4D97-AF65-F5344CB8AC3E}">
+        <p14:creationId xmlns:p14="http://schemas.microsoft.com/office/powerpoint/2010/main" val="721186619"/>
       </p:ext>
     </p:extLst>
   </p:cSld>
